--- a/presentation/Meteshov.pptx
+++ b/presentation/Meteshov.pptx
@@ -5,18 +5,23 @@
     <p:sldMasterId id="2147483660" r:id="rId1"/>
   </p:sldMasterIdLst>
   <p:notesMasterIdLst>
-    <p:notesMasterId r:id="rId11"/>
+    <p:notesMasterId r:id="rId16"/>
   </p:notesMasterIdLst>
   <p:sldIdLst>
     <p:sldId id="256" r:id="rId2"/>
     <p:sldId id="259" r:id="rId3"/>
-    <p:sldId id="257" r:id="rId4"/>
-    <p:sldId id="258" r:id="rId5"/>
-    <p:sldId id="260" r:id="rId6"/>
-    <p:sldId id="261" r:id="rId7"/>
-    <p:sldId id="262" r:id="rId8"/>
-    <p:sldId id="263" r:id="rId9"/>
-    <p:sldId id="264" r:id="rId10"/>
+    <p:sldId id="258" r:id="rId4"/>
+    <p:sldId id="260" r:id="rId5"/>
+    <p:sldId id="261" r:id="rId6"/>
+    <p:sldId id="262" r:id="rId7"/>
+    <p:sldId id="263" r:id="rId8"/>
+    <p:sldId id="265" r:id="rId9"/>
+    <p:sldId id="266" r:id="rId10"/>
+    <p:sldId id="267" r:id="rId11"/>
+    <p:sldId id="268" r:id="rId12"/>
+    <p:sldId id="269" r:id="rId13"/>
+    <p:sldId id="270" r:id="rId14"/>
+    <p:sldId id="264" r:id="rId15"/>
   </p:sldIdLst>
   <p:sldSz cx="9144000" cy="6858000" type="screen4x3"/>
   <p:notesSz cx="6858000" cy="9144000"/>
@@ -200,7 +205,8 @@
           <a:p>
             <a:fld id="{9B6852B9-7301-43EA-92BF-65C317A99959}" type="datetimeFigureOut">
               <a:rPr lang="ru-RU" smtClean="0"/>
-              <a:t>28.05.2015</a:t>
+              <a:pPr/>
+              <a:t>18.06.2015</a:t>
             </a:fld>
             <a:endParaRPr lang="ru-RU"/>
           </a:p>
@@ -361,6 +367,7 @@
           <a:p>
             <a:fld id="{27FD505E-3C26-496E-A181-375B912DE6C2}" type="slidenum">
               <a:rPr lang="ru-RU" smtClean="0"/>
+              <a:pPr/>
               <a:t>‹#›</a:t>
             </a:fld>
             <a:endParaRPr lang="ru-RU"/>
@@ -1090,7 +1097,8 @@
           <a:p>
             <a:fld id="{F02E3611-6269-4DF5-BCA1-3C607B894F57}" type="datetime1">
               <a:rPr lang="ru-RU" smtClean="0"/>
-              <a:t>28.05.2015</a:t>
+              <a:pPr/>
+              <a:t>18.06.2015</a:t>
             </a:fld>
             <a:endParaRPr lang="ru-RU"/>
           </a:p>
@@ -1287,7 +1295,8 @@
           <a:p>
             <a:fld id="{6555F6C3-CF28-47B7-8EA3-2DB8DFDEB0B1}" type="datetime1">
               <a:rPr lang="ru-RU" smtClean="0"/>
-              <a:t>28.05.2015</a:t>
+              <a:pPr/>
+              <a:t>18.06.2015</a:t>
             </a:fld>
             <a:endParaRPr lang="ru-RU"/>
           </a:p>
@@ -1473,7 +1482,8 @@
           <a:p>
             <a:fld id="{5FDA69F6-7D69-4BFC-8269-1BCAC19D9396}" type="datetime1">
               <a:rPr lang="ru-RU" smtClean="0"/>
-              <a:t>28.05.2015</a:t>
+              <a:pPr/>
+              <a:t>18.06.2015</a:t>
             </a:fld>
             <a:endParaRPr lang="ru-RU"/>
           </a:p>
@@ -1624,7 +1634,8 @@
           <a:p>
             <a:fld id="{768FE7FE-08EC-4E6D-9107-408FD85E9020}" type="datetime1">
               <a:rPr lang="ru-RU" smtClean="0"/>
-              <a:t>28.05.2015</a:t>
+              <a:pPr/>
+              <a:t>18.06.2015</a:t>
             </a:fld>
             <a:endParaRPr lang="ru-RU"/>
           </a:p>
@@ -1880,7 +1891,8 @@
           <a:p>
             <a:fld id="{764B2052-BBA4-426D-BBD3-56B84B9ADDC2}" type="datetime1">
               <a:rPr lang="ru-RU" smtClean="0"/>
-              <a:t>28.05.2015</a:t>
+              <a:pPr/>
+              <a:t>18.06.2015</a:t>
             </a:fld>
             <a:endParaRPr lang="ru-RU"/>
           </a:p>
@@ -2290,7 +2302,8 @@
           <a:p>
             <a:fld id="{C144A88C-3B64-4F38-BCCC-E8AEC5578A77}" type="datetime1">
               <a:rPr lang="ru-RU" smtClean="0"/>
-              <a:t>28.05.2015</a:t>
+              <a:pPr/>
+              <a:t>18.06.2015</a:t>
             </a:fld>
             <a:endParaRPr lang="ru-RU"/>
           </a:p>
@@ -2737,7 +2750,8 @@
           <a:p>
             <a:fld id="{27B29160-D340-4C92-A7D0-7E90B6889F46}" type="datetime1">
               <a:rPr lang="ru-RU" smtClean="0"/>
-              <a:t>28.05.2015</a:t>
+              <a:pPr/>
+              <a:t>18.06.2015</a:t>
             </a:fld>
             <a:endParaRPr lang="ru-RU"/>
           </a:p>
@@ -2839,7 +2853,8 @@
           <a:p>
             <a:fld id="{F7CC7B06-755D-42EF-A2F9-C9F58CBC21AD}" type="datetime1">
               <a:rPr lang="ru-RU" smtClean="0"/>
-              <a:t>28.05.2015</a:t>
+              <a:pPr/>
+              <a:t>18.06.2015</a:t>
             </a:fld>
             <a:endParaRPr lang="ru-RU"/>
           </a:p>
@@ -2961,7 +2976,8 @@
           <a:p>
             <a:fld id="{F2078FFF-A0C6-4EB0-A779-F21BB0FDE1F1}" type="datetime1">
               <a:rPr lang="ru-RU" smtClean="0"/>
-              <a:t>28.05.2015</a:t>
+              <a:pPr/>
+              <a:t>18.06.2015</a:t>
             </a:fld>
             <a:endParaRPr lang="ru-RU"/>
           </a:p>
@@ -3236,7 +3252,8 @@
           <a:p>
             <a:fld id="{AF3C65B8-EA78-4EE6-9DA0-F918ECA3E783}" type="datetime1">
               <a:rPr lang="ru-RU" smtClean="0"/>
-              <a:t>28.05.2015</a:t>
+              <a:pPr/>
+              <a:t>18.06.2015</a:t>
             </a:fld>
             <a:endParaRPr lang="ru-RU"/>
           </a:p>
@@ -3442,7 +3459,8 @@
           <a:p>
             <a:fld id="{FCB92919-B76A-44A1-B0FB-1E53C0034375}" type="datetime1">
               <a:rPr lang="ru-RU" smtClean="0"/>
-              <a:t>28.05.2015</a:t>
+              <a:pPr/>
+              <a:t>18.06.2015</a:t>
             </a:fld>
             <a:endParaRPr lang="ru-RU"/>
           </a:p>
@@ -4552,7 +4570,8 @@
           <a:p>
             <a:fld id="{A8CFD7DB-6FDF-435F-844C-9977882D895D}" type="datetime1">
               <a:rPr lang="ru-RU" smtClean="0"/>
-              <a:t>28.05.2015</a:t>
+              <a:pPr/>
+              <a:t>18.06.2015</a:t>
             </a:fld>
             <a:endParaRPr lang="ru-RU"/>
           </a:p>
@@ -5089,6 +5108,538 @@
   <p:clrMapOvr>
     <a:masterClrMapping/>
   </p:clrMapOvr>
+  <p:timing>
+    <p:tnLst>
+      <p:par>
+        <p:cTn id="1" dur="indefinite" restart="never" nodeType="tmRoot"/>
+      </p:par>
+    </p:tnLst>
+  </p:timing>
+</p:sld>
+</file>
+
+<file path=ppt/slides/slide10.xml><?xml version="1.0" encoding="utf-8"?>
+<p:sld xmlns:a="http://schemas.openxmlformats.org/drawingml/2006/main" xmlns:r="http://schemas.openxmlformats.org/officeDocument/2006/relationships" xmlns:p="http://schemas.openxmlformats.org/presentationml/2006/main">
+  <p:cSld>
+    <p:spTree>
+      <p:nvGrpSpPr>
+        <p:cNvPr id="1" name=""/>
+        <p:cNvGrpSpPr/>
+        <p:nvPr/>
+      </p:nvGrpSpPr>
+      <p:grpSpPr>
+        <a:xfrm>
+          <a:off x="0" y="0"/>
+          <a:ext cx="0" cy="0"/>
+          <a:chOff x="0" y="0"/>
+          <a:chExt cx="0" cy="0"/>
+        </a:xfrm>
+      </p:grpSpPr>
+      <p:pic>
+        <p:nvPicPr>
+          <p:cNvPr id="5" name="Содержимое 4" descr="noise3.jpg"/>
+          <p:cNvPicPr>
+            <a:picLocks noGrp="1" noChangeAspect="1"/>
+          </p:cNvPicPr>
+          <p:nvPr>
+            <p:ph idx="1"/>
+          </p:nvPr>
+        </p:nvPicPr>
+        <p:blipFill>
+          <a:blip r:embed="rId2" cstate="print"/>
+          <a:stretch>
+            <a:fillRect/>
+          </a:stretch>
+        </p:blipFill>
+        <p:spPr>
+          <a:xfrm>
+            <a:off x="1177528" y="1481138"/>
+            <a:ext cx="6788943" cy="4525962"/>
+          </a:xfrm>
+        </p:spPr>
+      </p:pic>
+      <p:sp>
+        <p:nvSpPr>
+          <p:cNvPr id="3" name="Номер слайда 2"/>
+          <p:cNvSpPr>
+            <a:spLocks noGrp="1"/>
+          </p:cNvSpPr>
+          <p:nvPr>
+            <p:ph type="sldNum" sz="quarter" idx="12"/>
+          </p:nvPr>
+        </p:nvSpPr>
+        <p:spPr/>
+        <p:txBody>
+          <a:bodyPr/>
+          <a:lstStyle/>
+          <a:p>
+            <a:fld id="{725C68B6-61C2-468F-89AB-4B9F7531AA68}" type="slidenum">
+              <a:rPr lang="ru-RU" smtClean="0"/>
+              <a:pPr/>
+              <a:t>10</a:t>
+            </a:fld>
+            <a:endParaRPr lang="ru-RU"/>
+          </a:p>
+        </p:txBody>
+      </p:sp>
+      <p:sp>
+        <p:nvSpPr>
+          <p:cNvPr id="4" name="Заголовок 3"/>
+          <p:cNvSpPr>
+            <a:spLocks noGrp="1"/>
+          </p:cNvSpPr>
+          <p:nvPr>
+            <p:ph type="title"/>
+          </p:nvPr>
+        </p:nvSpPr>
+        <p:spPr/>
+        <p:txBody>
+          <a:bodyPr>
+            <a:normAutofit/>
+          </a:bodyPr>
+          <a:lstStyle/>
+          <a:p>
+            <a:pPr algn="ctr"/>
+            <a:r>
+              <a:rPr lang="ru-RU" sz="3200" dirty="0" smtClean="0">
+                <a:effectLst/>
+                <a:latin typeface="Times New Roman" pitchFamily="18" charset="0"/>
+                <a:cs typeface="Times New Roman" pitchFamily="18" charset="0"/>
+              </a:rPr>
+              <a:t>Изображение с более чем 70% поврежденных пикселей</a:t>
+            </a:r>
+            <a:endParaRPr lang="ru-RU" sz="3200" dirty="0">
+              <a:effectLst/>
+              <a:latin typeface="Times New Roman" pitchFamily="18" charset="0"/>
+              <a:cs typeface="Times New Roman" pitchFamily="18" charset="0"/>
+            </a:endParaRPr>
+          </a:p>
+        </p:txBody>
+      </p:sp>
+    </p:spTree>
+  </p:cSld>
+  <p:clrMapOvr>
+    <a:masterClrMapping/>
+  </p:clrMapOvr>
+</p:sld>
+</file>
+
+<file path=ppt/slides/slide11.xml><?xml version="1.0" encoding="utf-8"?>
+<p:sld xmlns:a="http://schemas.openxmlformats.org/drawingml/2006/main" xmlns:r="http://schemas.openxmlformats.org/officeDocument/2006/relationships" xmlns:p="http://schemas.openxmlformats.org/presentationml/2006/main">
+  <p:cSld>
+    <p:spTree>
+      <p:nvGrpSpPr>
+        <p:cNvPr id="1" name=""/>
+        <p:cNvGrpSpPr/>
+        <p:nvPr/>
+      </p:nvGrpSpPr>
+      <p:grpSpPr>
+        <a:xfrm>
+          <a:off x="0" y="0"/>
+          <a:ext cx="0" cy="0"/>
+          <a:chOff x="0" y="0"/>
+          <a:chExt cx="0" cy="0"/>
+        </a:xfrm>
+      </p:grpSpPr>
+      <p:pic>
+        <p:nvPicPr>
+          <p:cNvPr id="5" name="Содержимое 4" descr="vosstanovlennoe3.jpg"/>
+          <p:cNvPicPr>
+            <a:picLocks noGrp="1" noChangeAspect="1"/>
+          </p:cNvPicPr>
+          <p:nvPr>
+            <p:ph idx="1"/>
+          </p:nvPr>
+        </p:nvPicPr>
+        <p:blipFill>
+          <a:blip r:embed="rId2" cstate="print"/>
+          <a:stretch>
+            <a:fillRect/>
+          </a:stretch>
+        </p:blipFill>
+        <p:spPr>
+          <a:xfrm>
+            <a:off x="1177528" y="1481138"/>
+            <a:ext cx="6788943" cy="4525962"/>
+          </a:xfrm>
+        </p:spPr>
+      </p:pic>
+      <p:sp>
+        <p:nvSpPr>
+          <p:cNvPr id="3" name="Номер слайда 2"/>
+          <p:cNvSpPr>
+            <a:spLocks noGrp="1"/>
+          </p:cNvSpPr>
+          <p:nvPr>
+            <p:ph type="sldNum" sz="quarter" idx="12"/>
+          </p:nvPr>
+        </p:nvSpPr>
+        <p:spPr/>
+        <p:txBody>
+          <a:bodyPr/>
+          <a:lstStyle/>
+          <a:p>
+            <a:fld id="{725C68B6-61C2-468F-89AB-4B9F7531AA68}" type="slidenum">
+              <a:rPr lang="ru-RU" smtClean="0"/>
+              <a:pPr/>
+              <a:t>11</a:t>
+            </a:fld>
+            <a:endParaRPr lang="ru-RU"/>
+          </a:p>
+        </p:txBody>
+      </p:sp>
+      <p:sp>
+        <p:nvSpPr>
+          <p:cNvPr id="4" name="Заголовок 3"/>
+          <p:cNvSpPr>
+            <a:spLocks noGrp="1"/>
+          </p:cNvSpPr>
+          <p:nvPr>
+            <p:ph type="title"/>
+          </p:nvPr>
+        </p:nvSpPr>
+        <p:spPr/>
+        <p:txBody>
+          <a:bodyPr>
+            <a:normAutofit/>
+          </a:bodyPr>
+          <a:lstStyle/>
+          <a:p>
+            <a:pPr algn="ctr"/>
+            <a:r>
+              <a:rPr lang="ru-RU" sz="3200" dirty="0" smtClean="0">
+                <a:effectLst/>
+                <a:latin typeface="Times New Roman" pitchFamily="18" charset="0"/>
+                <a:cs typeface="Times New Roman" pitchFamily="18" charset="0"/>
+              </a:rPr>
+              <a:t>Восстановленное изображение</a:t>
+            </a:r>
+            <a:endParaRPr lang="ru-RU" sz="3200" dirty="0">
+              <a:effectLst/>
+              <a:latin typeface="Times New Roman" pitchFamily="18" charset="0"/>
+              <a:cs typeface="Times New Roman" pitchFamily="18" charset="0"/>
+            </a:endParaRPr>
+          </a:p>
+        </p:txBody>
+      </p:sp>
+    </p:spTree>
+  </p:cSld>
+  <p:clrMapOvr>
+    <a:masterClrMapping/>
+  </p:clrMapOvr>
+</p:sld>
+</file>
+
+<file path=ppt/slides/slide12.xml><?xml version="1.0" encoding="utf-8"?>
+<p:sld xmlns:a="http://schemas.openxmlformats.org/drawingml/2006/main" xmlns:r="http://schemas.openxmlformats.org/officeDocument/2006/relationships" xmlns:p="http://schemas.openxmlformats.org/presentationml/2006/main">
+  <p:cSld>
+    <p:spTree>
+      <p:nvGrpSpPr>
+        <p:cNvPr id="1" name=""/>
+        <p:cNvGrpSpPr/>
+        <p:nvPr/>
+      </p:nvGrpSpPr>
+      <p:grpSpPr>
+        <a:xfrm>
+          <a:off x="0" y="0"/>
+          <a:ext cx="0" cy="0"/>
+          <a:chOff x="0" y="0"/>
+          <a:chExt cx="0" cy="0"/>
+        </a:xfrm>
+      </p:grpSpPr>
+      <p:pic>
+        <p:nvPicPr>
+          <p:cNvPr id="5" name="Содержимое 4" descr="source3.jpg"/>
+          <p:cNvPicPr>
+            <a:picLocks noGrp="1" noChangeAspect="1"/>
+          </p:cNvPicPr>
+          <p:nvPr>
+            <p:ph idx="1"/>
+          </p:nvPr>
+        </p:nvPicPr>
+        <p:blipFill>
+          <a:blip r:embed="rId2" cstate="print"/>
+          <a:stretch>
+            <a:fillRect/>
+          </a:stretch>
+        </p:blipFill>
+        <p:spPr>
+          <a:xfrm>
+            <a:off x="1177528" y="1481138"/>
+            <a:ext cx="6788943" cy="4525962"/>
+          </a:xfrm>
+        </p:spPr>
+      </p:pic>
+      <p:sp>
+        <p:nvSpPr>
+          <p:cNvPr id="3" name="Номер слайда 2"/>
+          <p:cNvSpPr>
+            <a:spLocks noGrp="1"/>
+          </p:cNvSpPr>
+          <p:nvPr>
+            <p:ph type="sldNum" sz="quarter" idx="12"/>
+          </p:nvPr>
+        </p:nvSpPr>
+        <p:spPr/>
+        <p:txBody>
+          <a:bodyPr/>
+          <a:lstStyle/>
+          <a:p>
+            <a:fld id="{725C68B6-61C2-468F-89AB-4B9F7531AA68}" type="slidenum">
+              <a:rPr lang="ru-RU" smtClean="0"/>
+              <a:pPr/>
+              <a:t>12</a:t>
+            </a:fld>
+            <a:endParaRPr lang="ru-RU"/>
+          </a:p>
+        </p:txBody>
+      </p:sp>
+      <p:sp>
+        <p:nvSpPr>
+          <p:cNvPr id="4" name="Заголовок 3"/>
+          <p:cNvSpPr>
+            <a:spLocks noGrp="1"/>
+          </p:cNvSpPr>
+          <p:nvPr>
+            <p:ph type="title"/>
+          </p:nvPr>
+        </p:nvSpPr>
+        <p:spPr/>
+        <p:txBody>
+          <a:bodyPr>
+            <a:normAutofit/>
+          </a:bodyPr>
+          <a:lstStyle/>
+          <a:p>
+            <a:pPr algn="ctr"/>
+            <a:r>
+              <a:rPr lang="ru-RU" sz="3200" dirty="0" smtClean="0">
+                <a:effectLst/>
+                <a:latin typeface="Times New Roman" pitchFamily="18" charset="0"/>
+                <a:cs typeface="Times New Roman" pitchFamily="18" charset="0"/>
+              </a:rPr>
+              <a:t>Оригинальное изображение</a:t>
+            </a:r>
+            <a:endParaRPr lang="ru-RU" sz="3200" dirty="0">
+              <a:effectLst/>
+              <a:latin typeface="Times New Roman" pitchFamily="18" charset="0"/>
+              <a:cs typeface="Times New Roman" pitchFamily="18" charset="0"/>
+            </a:endParaRPr>
+          </a:p>
+        </p:txBody>
+      </p:sp>
+    </p:spTree>
+  </p:cSld>
+  <p:clrMapOvr>
+    <a:masterClrMapping/>
+  </p:clrMapOvr>
+</p:sld>
+</file>
+
+<file path=ppt/slides/slide13.xml><?xml version="1.0" encoding="utf-8"?>
+<p:sld xmlns:a="http://schemas.openxmlformats.org/drawingml/2006/main" xmlns:r="http://schemas.openxmlformats.org/officeDocument/2006/relationships" xmlns:p="http://schemas.openxmlformats.org/presentationml/2006/main">
+  <p:cSld>
+    <p:spTree>
+      <p:nvGrpSpPr>
+        <p:cNvPr id="1" name=""/>
+        <p:cNvGrpSpPr/>
+        <p:nvPr/>
+      </p:nvGrpSpPr>
+      <p:grpSpPr>
+        <a:xfrm>
+          <a:off x="0" y="0"/>
+          <a:ext cx="0" cy="0"/>
+          <a:chOff x="0" y="0"/>
+          <a:chExt cx="0" cy="0"/>
+        </a:xfrm>
+      </p:grpSpPr>
+      <p:pic>
+        <p:nvPicPr>
+          <p:cNvPr id="5" name="Содержимое 4" descr="table.jpg"/>
+          <p:cNvPicPr>
+            <a:picLocks noGrp="1" noChangeAspect="1"/>
+          </p:cNvPicPr>
+          <p:nvPr>
+            <p:ph idx="1"/>
+          </p:nvPr>
+        </p:nvPicPr>
+        <p:blipFill>
+          <a:blip r:embed="rId2" cstate="print"/>
+          <a:stretch>
+            <a:fillRect/>
+          </a:stretch>
+        </p:blipFill>
+        <p:spPr>
+          <a:xfrm>
+            <a:off x="827584" y="1844824"/>
+            <a:ext cx="7786135" cy="2808312"/>
+          </a:xfrm>
+        </p:spPr>
+      </p:pic>
+      <p:sp>
+        <p:nvSpPr>
+          <p:cNvPr id="3" name="Номер слайда 2"/>
+          <p:cNvSpPr>
+            <a:spLocks noGrp="1"/>
+          </p:cNvSpPr>
+          <p:nvPr>
+            <p:ph type="sldNum" sz="quarter" idx="12"/>
+          </p:nvPr>
+        </p:nvSpPr>
+        <p:spPr/>
+        <p:txBody>
+          <a:bodyPr/>
+          <a:lstStyle/>
+          <a:p>
+            <a:fld id="{725C68B6-61C2-468F-89AB-4B9F7531AA68}" type="slidenum">
+              <a:rPr lang="ru-RU" smtClean="0"/>
+              <a:pPr/>
+              <a:t>13</a:t>
+            </a:fld>
+            <a:endParaRPr lang="ru-RU"/>
+          </a:p>
+        </p:txBody>
+      </p:sp>
+      <p:sp>
+        <p:nvSpPr>
+          <p:cNvPr id="4" name="Заголовок 3"/>
+          <p:cNvSpPr>
+            <a:spLocks noGrp="1"/>
+          </p:cNvSpPr>
+          <p:nvPr>
+            <p:ph type="title"/>
+          </p:nvPr>
+        </p:nvSpPr>
+        <p:spPr/>
+        <p:txBody>
+          <a:bodyPr>
+            <a:normAutofit/>
+          </a:bodyPr>
+          <a:lstStyle/>
+          <a:p>
+            <a:pPr algn="ctr"/>
+            <a:r>
+              <a:rPr lang="ru-RU" sz="3200" dirty="0" smtClean="0">
+                <a:effectLst/>
+                <a:latin typeface="Times New Roman" pitchFamily="18" charset="0"/>
+                <a:cs typeface="Times New Roman" pitchFamily="18" charset="0"/>
+              </a:rPr>
+              <a:t>Таблица результатов экспериментов</a:t>
+            </a:r>
+            <a:endParaRPr lang="ru-RU" sz="3200" dirty="0">
+              <a:effectLst/>
+              <a:latin typeface="Times New Roman" pitchFamily="18" charset="0"/>
+              <a:cs typeface="Times New Roman" pitchFamily="18" charset="0"/>
+            </a:endParaRPr>
+          </a:p>
+        </p:txBody>
+      </p:sp>
+    </p:spTree>
+  </p:cSld>
+  <p:clrMapOvr>
+    <a:masterClrMapping/>
+  </p:clrMapOvr>
+</p:sld>
+</file>
+
+<file path=ppt/slides/slide14.xml><?xml version="1.0" encoding="utf-8"?>
+<p:sld xmlns:a="http://schemas.openxmlformats.org/drawingml/2006/main" xmlns:r="http://schemas.openxmlformats.org/officeDocument/2006/relationships" xmlns:p="http://schemas.openxmlformats.org/presentationml/2006/main">
+  <p:cSld>
+    <p:spTree>
+      <p:nvGrpSpPr>
+        <p:cNvPr id="1" name=""/>
+        <p:cNvGrpSpPr/>
+        <p:nvPr/>
+      </p:nvGrpSpPr>
+      <p:grpSpPr>
+        <a:xfrm>
+          <a:off x="0" y="0"/>
+          <a:ext cx="0" cy="0"/>
+          <a:chOff x="0" y="0"/>
+          <a:chExt cx="0" cy="0"/>
+        </a:xfrm>
+      </p:grpSpPr>
+      <p:sp>
+        <p:nvSpPr>
+          <p:cNvPr id="2" name="Содержимое 1"/>
+          <p:cNvSpPr>
+            <a:spLocks noGrp="1"/>
+          </p:cNvSpPr>
+          <p:nvPr>
+            <p:ph idx="1"/>
+          </p:nvPr>
+        </p:nvSpPr>
+        <p:spPr/>
+        <p:txBody>
+          <a:bodyPr>
+            <a:normAutofit/>
+          </a:bodyPr>
+          <a:lstStyle/>
+          <a:p>
+            <a:pPr algn="ctr">
+              <a:buNone/>
+            </a:pPr>
+            <a:endParaRPr lang="ru-RU" sz="4400" dirty="0" smtClean="0">
+              <a:latin typeface="Times New Roman" pitchFamily="18" charset="0"/>
+              <a:cs typeface="Times New Roman" pitchFamily="18" charset="0"/>
+            </a:endParaRPr>
+          </a:p>
+          <a:p>
+            <a:pPr algn="ctr">
+              <a:buNone/>
+            </a:pPr>
+            <a:endParaRPr lang="ru-RU" sz="4400" dirty="0" smtClean="0">
+              <a:latin typeface="Times New Roman" pitchFamily="18" charset="0"/>
+              <a:cs typeface="Times New Roman" pitchFamily="18" charset="0"/>
+            </a:endParaRPr>
+          </a:p>
+          <a:p>
+            <a:pPr algn="ctr">
+              <a:buNone/>
+            </a:pPr>
+            <a:r>
+              <a:rPr lang="ru-RU" sz="4400" dirty="0" smtClean="0">
+                <a:latin typeface="Times New Roman" pitchFamily="18" charset="0"/>
+                <a:cs typeface="Times New Roman" pitchFamily="18" charset="0"/>
+              </a:rPr>
+              <a:t>Спасибо за внимание</a:t>
+            </a:r>
+            <a:endParaRPr lang="ru-RU" sz="4400" dirty="0">
+              <a:latin typeface="Times New Roman" pitchFamily="18" charset="0"/>
+              <a:cs typeface="Times New Roman" pitchFamily="18" charset="0"/>
+            </a:endParaRPr>
+          </a:p>
+        </p:txBody>
+      </p:sp>
+      <p:sp>
+        <p:nvSpPr>
+          <p:cNvPr id="3" name="Номер слайда 2"/>
+          <p:cNvSpPr>
+            <a:spLocks noGrp="1"/>
+          </p:cNvSpPr>
+          <p:nvPr>
+            <p:ph type="sldNum" sz="quarter" idx="12"/>
+          </p:nvPr>
+        </p:nvSpPr>
+        <p:spPr/>
+        <p:txBody>
+          <a:bodyPr/>
+          <a:lstStyle/>
+          <a:p>
+            <a:fld id="{725C68B6-61C2-468F-89AB-4B9F7531AA68}" type="slidenum">
+              <a:rPr lang="ru-RU" smtClean="0"/>
+              <a:pPr/>
+              <a:t>14</a:t>
+            </a:fld>
+            <a:endParaRPr lang="ru-RU"/>
+          </a:p>
+        </p:txBody>
+      </p:sp>
+    </p:spTree>
+  </p:cSld>
+  <p:clrMapOvr>
+    <a:masterClrMapping/>
+  </p:clrMapOvr>
 </p:sld>
 </file>
 
@@ -5134,7 +5685,7 @@
                 <a:latin typeface="Times New Roman" pitchFamily="18" charset="0"/>
                 <a:cs typeface="Times New Roman" pitchFamily="18" charset="0"/>
               </a:rPr>
-              <a:t>Целью данной работы является использование самоорганизующихся карт </a:t>
+              <a:t>Целью данной работы является программа, восстанавливающая поврежденные цифровые изображения с использованием самоорганизующейся карты </a:t>
             </a:r>
             <a:r>
               <a:rPr lang="ru-RU" sz="2400" dirty="0" err="1" smtClean="0">
@@ -5148,7 +5699,7 @@
                 <a:latin typeface="Times New Roman" pitchFamily="18" charset="0"/>
                 <a:cs typeface="Times New Roman" pitchFamily="18" charset="0"/>
               </a:rPr>
-              <a:t> для восстановления изображений.</a:t>
+              <a:t>.</a:t>
             </a:r>
           </a:p>
           <a:p>
@@ -5334,6 +5885,13 @@
   <p:clrMapOvr>
     <a:masterClrMapping/>
   </p:clrMapOvr>
+  <p:timing>
+    <p:tnLst>
+      <p:par>
+        <p:cTn id="1" dur="indefinite" restart="never" nodeType="tmRoot"/>
+      </p:par>
+    </p:tnLst>
+  </p:timing>
 </p:sld>
 </file>
 
@@ -5354,15 +5912,99 @@
           <a:chExt cx="0" cy="0"/>
         </a:xfrm>
       </p:grpSpPr>
+      <p:sp>
+        <p:nvSpPr>
+          <p:cNvPr id="2" name="Содержимое 1"/>
+          <p:cNvSpPr>
+            <a:spLocks noGrp="1"/>
+          </p:cNvSpPr>
+          <p:nvPr>
+            <p:ph idx="1"/>
+          </p:nvPr>
+        </p:nvSpPr>
+        <p:spPr/>
+        <p:txBody>
+          <a:bodyPr/>
+          <a:lstStyle/>
+          <a:p>
+            <a:pPr>
+              <a:buNone/>
+            </a:pPr>
+            <a:endParaRPr lang="ru-RU" dirty="0" smtClean="0"/>
+          </a:p>
+          <a:p>
+            <a:pPr>
+              <a:buNone/>
+            </a:pPr>
+            <a:endParaRPr lang="ru-RU" dirty="0"/>
+          </a:p>
+        </p:txBody>
+      </p:sp>
+      <p:sp>
+        <p:nvSpPr>
+          <p:cNvPr id="3" name="Заголовок 2"/>
+          <p:cNvSpPr>
+            <a:spLocks noGrp="1"/>
+          </p:cNvSpPr>
+          <p:nvPr>
+            <p:ph type="title"/>
+          </p:nvPr>
+        </p:nvSpPr>
+        <p:spPr/>
+        <p:txBody>
+          <a:bodyPr>
+            <a:normAutofit/>
+          </a:bodyPr>
+          <a:lstStyle/>
+          <a:p>
+            <a:pPr algn="ctr"/>
+            <a:r>
+              <a:rPr lang="ru-RU" sz="3200" dirty="0" smtClean="0">
+                <a:effectLst/>
+                <a:latin typeface="Times New Roman" pitchFamily="18" charset="0"/>
+                <a:cs typeface="Times New Roman" pitchFamily="18" charset="0"/>
+              </a:rPr>
+              <a:t>Мера соседства</a:t>
+            </a:r>
+            <a:endParaRPr lang="ru-RU" sz="3200" dirty="0">
+              <a:effectLst/>
+              <a:latin typeface="Times New Roman" pitchFamily="18" charset="0"/>
+              <a:cs typeface="Times New Roman" pitchFamily="18" charset="0"/>
+            </a:endParaRPr>
+          </a:p>
+        </p:txBody>
+      </p:sp>
+      <p:sp>
+        <p:nvSpPr>
+          <p:cNvPr id="7" name="Номер слайда 6"/>
+          <p:cNvSpPr>
+            <a:spLocks noGrp="1"/>
+          </p:cNvSpPr>
+          <p:nvPr>
+            <p:ph type="sldNum" sz="quarter" idx="12"/>
+          </p:nvPr>
+        </p:nvSpPr>
+        <p:spPr/>
+        <p:txBody>
+          <a:bodyPr/>
+          <a:lstStyle/>
+          <a:p>
+            <a:fld id="{725C68B6-61C2-468F-89AB-4B9F7531AA68}" type="slidenum">
+              <a:rPr lang="ru-RU" smtClean="0"/>
+              <a:pPr/>
+              <a:t>3</a:t>
+            </a:fld>
+            <a:endParaRPr lang="ru-RU"/>
+          </a:p>
+        </p:txBody>
+      </p:sp>
       <p:pic>
         <p:nvPicPr>
-          <p:cNvPr id="4" name="Содержимое 3" descr="1.jpg"/>
+          <p:cNvPr id="8" name="Рисунок 7" descr="мерасоседства.jpg"/>
           <p:cNvPicPr>
-            <a:picLocks noGrp="1" noChangeAspect="1"/>
+            <a:picLocks noChangeAspect="1"/>
           </p:cNvPicPr>
-          <p:nvPr>
-            <p:ph idx="1"/>
-          </p:nvPr>
+          <p:nvPr/>
         </p:nvPicPr>
         <p:blipFill>
           <a:blip r:embed="rId2" cstate="print"/>
@@ -5372,76 +6014,26 @@
         </p:blipFill>
         <p:spPr>
           <a:xfrm>
-            <a:off x="1691680" y="2276872"/>
-            <a:ext cx="6081765" cy="2437581"/>
+            <a:off x="1115616" y="1412776"/>
+            <a:ext cx="7325866" cy="4673397"/>
           </a:xfrm>
+          <a:prstGeom prst="rect">
+            <a:avLst/>
+          </a:prstGeom>
         </p:spPr>
       </p:pic>
-      <p:sp>
-        <p:nvSpPr>
-          <p:cNvPr id="3" name="Заголовок 2"/>
-          <p:cNvSpPr>
-            <a:spLocks noGrp="1"/>
-          </p:cNvSpPr>
-          <p:nvPr>
-            <p:ph type="title"/>
-          </p:nvPr>
-        </p:nvSpPr>
-        <p:spPr/>
-        <p:txBody>
-          <a:bodyPr>
-            <a:normAutofit/>
-          </a:bodyPr>
-          <a:lstStyle/>
-          <a:p>
-            <a:pPr algn="ctr"/>
-            <a:r>
-              <a:rPr lang="ru-RU" sz="3200" dirty="0" smtClean="0">
-                <a:effectLst/>
-              </a:rPr>
-              <a:t>Пример </a:t>
-            </a:r>
-            <a:r>
-              <a:rPr lang="ru-RU" sz="3200" dirty="0" smtClean="0">
-                <a:effectLst/>
-              </a:rPr>
-              <a:t>расстояний для различных типов сеток</a:t>
-            </a:r>
-            <a:endParaRPr lang="ru-RU" sz="3200" dirty="0">
-              <a:effectLst/>
-            </a:endParaRPr>
-          </a:p>
-        </p:txBody>
-      </p:sp>
-      <p:sp>
-        <p:nvSpPr>
-          <p:cNvPr id="6" name="Номер слайда 5"/>
-          <p:cNvSpPr>
-            <a:spLocks noGrp="1"/>
-          </p:cNvSpPr>
-          <p:nvPr>
-            <p:ph type="sldNum" sz="quarter" idx="12"/>
-          </p:nvPr>
-        </p:nvSpPr>
-        <p:spPr/>
-        <p:txBody>
-          <a:bodyPr/>
-          <a:lstStyle/>
-          <a:p>
-            <a:fld id="{725C68B6-61C2-468F-89AB-4B9F7531AA68}" type="slidenum">
-              <a:rPr lang="ru-RU" smtClean="0"/>
-              <a:pPr/>
-              <a:t>3</a:t>
-            </a:fld>
-            <a:endParaRPr lang="ru-RU"/>
-          </a:p>
-        </p:txBody>
-      </p:sp>
     </p:spTree>
   </p:cSld>
   <p:clrMapOvr>
     <a:masterClrMapping/>
   </p:clrMapOvr>
+  <p:timing>
+    <p:tnLst>
+      <p:par>
+        <p:cTn id="1" dur="indefinite" restart="never" nodeType="tmRoot"/>
+      </p:par>
+    </p:tnLst>
+  </p:timing>
 </p:sld>
 </file>
 
@@ -5464,34 +6056,6 @@
       </p:grpSpPr>
       <p:sp>
         <p:nvSpPr>
-          <p:cNvPr id="2" name="Содержимое 1"/>
-          <p:cNvSpPr>
-            <a:spLocks noGrp="1"/>
-          </p:cNvSpPr>
-          <p:nvPr>
-            <p:ph idx="1"/>
-          </p:nvPr>
-        </p:nvSpPr>
-        <p:spPr/>
-        <p:txBody>
-          <a:bodyPr/>
-          <a:lstStyle/>
-          <a:p>
-            <a:pPr>
-              <a:buNone/>
-            </a:pPr>
-            <a:endParaRPr lang="ru-RU" dirty="0" smtClean="0"/>
-          </a:p>
-          <a:p>
-            <a:pPr>
-              <a:buNone/>
-            </a:pPr>
-            <a:endParaRPr lang="ru-RU" dirty="0"/>
-          </a:p>
-        </p:txBody>
-      </p:sp>
-      <p:sp>
-        <p:nvSpPr>
           <p:cNvPr id="3" name="Заголовок 2"/>
           <p:cNvSpPr>
             <a:spLocks noGrp="1"/>
@@ -5514,7 +6078,7 @@
                 <a:latin typeface="Times New Roman" pitchFamily="18" charset="0"/>
                 <a:cs typeface="Times New Roman" pitchFamily="18" charset="0"/>
               </a:rPr>
-              <a:t>Мера соседства</a:t>
+              <a:t>Мера сходства</a:t>
             </a:r>
             <a:endParaRPr lang="ru-RU" sz="3200" dirty="0">
               <a:effectLst/>
@@ -5524,13 +6088,39 @@
           </a:p>
         </p:txBody>
       </p:sp>
+      <p:sp>
+        <p:nvSpPr>
+          <p:cNvPr id="6" name="Номер слайда 5"/>
+          <p:cNvSpPr>
+            <a:spLocks noGrp="1"/>
+          </p:cNvSpPr>
+          <p:nvPr>
+            <p:ph type="sldNum" sz="quarter" idx="12"/>
+          </p:nvPr>
+        </p:nvSpPr>
+        <p:spPr/>
+        <p:txBody>
+          <a:bodyPr/>
+          <a:lstStyle/>
+          <a:p>
+            <a:fld id="{725C68B6-61C2-468F-89AB-4B9F7531AA68}" type="slidenum">
+              <a:rPr lang="ru-RU" smtClean="0"/>
+              <a:pPr/>
+              <a:t>4</a:t>
+            </a:fld>
+            <a:endParaRPr lang="ru-RU"/>
+          </a:p>
+        </p:txBody>
+      </p:sp>
       <p:pic>
         <p:nvPicPr>
-          <p:cNvPr id="5" name="Рисунок 4" descr="4.jpg"/>
+          <p:cNvPr id="7" name="Содержимое 6" descr="мерасходства.png"/>
           <p:cNvPicPr>
-            <a:picLocks noChangeAspect="1"/>
+            <a:picLocks noGrp="1" noChangeAspect="1"/>
           </p:cNvPicPr>
-          <p:nvPr/>
+          <p:nvPr>
+            <p:ph idx="1"/>
+          </p:nvPr>
         </p:nvPicPr>
         <p:blipFill>
           <a:blip r:embed="rId2" cstate="print"/>
@@ -5540,48 +6130,23 @@
         </p:blipFill>
         <p:spPr>
           <a:xfrm>
-            <a:off x="523875" y="1843087"/>
-            <a:ext cx="8096250" cy="3171825"/>
+            <a:off x="395536" y="1556792"/>
+            <a:ext cx="8540245" cy="3374476"/>
           </a:xfrm>
-          <a:prstGeom prst="rect">
-            <a:avLst/>
-          </a:prstGeom>
-          <a:ln>
-            <a:solidFill>
-              <a:schemeClr val="tx1"/>
-            </a:solidFill>
-          </a:ln>
         </p:spPr>
       </p:pic>
-      <p:sp>
-        <p:nvSpPr>
-          <p:cNvPr id="7" name="Номер слайда 6"/>
-          <p:cNvSpPr>
-            <a:spLocks noGrp="1"/>
-          </p:cNvSpPr>
-          <p:nvPr>
-            <p:ph type="sldNum" sz="quarter" idx="12"/>
-          </p:nvPr>
-        </p:nvSpPr>
-        <p:spPr/>
-        <p:txBody>
-          <a:bodyPr/>
-          <a:lstStyle/>
-          <a:p>
-            <a:fld id="{725C68B6-61C2-468F-89AB-4B9F7531AA68}" type="slidenum">
-              <a:rPr lang="ru-RU" smtClean="0"/>
-              <a:pPr/>
-              <a:t>4</a:t>
-            </a:fld>
-            <a:endParaRPr lang="ru-RU"/>
-          </a:p>
-        </p:txBody>
-      </p:sp>
     </p:spTree>
   </p:cSld>
   <p:clrMapOvr>
     <a:masterClrMapping/>
   </p:clrMapOvr>
+  <p:timing>
+    <p:tnLst>
+      <p:par>
+        <p:cTn id="1" dur="indefinite" restart="never" nodeType="tmRoot"/>
+      </p:par>
+    </p:tnLst>
+  </p:timing>
 </p:sld>
 </file>
 
@@ -5602,34 +6167,6 @@
           <a:chExt cx="0" cy="0"/>
         </a:xfrm>
       </p:grpSpPr>
-      <p:pic>
-        <p:nvPicPr>
-          <p:cNvPr id="4" name="Содержимое 3" descr="5.jpg"/>
-          <p:cNvPicPr>
-            <a:picLocks noGrp="1" noChangeAspect="1"/>
-          </p:cNvPicPr>
-          <p:nvPr>
-            <p:ph idx="1"/>
-          </p:nvPr>
-        </p:nvPicPr>
-        <p:blipFill>
-          <a:blip r:embed="rId2" cstate="print"/>
-          <a:stretch>
-            <a:fillRect/>
-          </a:stretch>
-        </p:blipFill>
-        <p:spPr>
-          <a:xfrm>
-            <a:off x="1691680" y="2204864"/>
-            <a:ext cx="5849526" cy="2299469"/>
-          </a:xfrm>
-          <a:ln>
-            <a:solidFill>
-              <a:schemeClr val="tx1"/>
-            </a:solidFill>
-          </a:ln>
-        </p:spPr>
-      </p:pic>
       <p:sp>
         <p:nvSpPr>
           <p:cNvPr id="3" name="Заголовок 2"/>
@@ -5648,13 +6185,21 @@
           <a:lstStyle/>
           <a:p>
             <a:pPr algn="ctr"/>
+            <a:r>
+              <a:rPr lang="ru-RU" sz="3200" smtClean="0">
+                <a:effectLst/>
+                <a:latin typeface="Times New Roman" pitchFamily="18" charset="0"/>
+                <a:cs typeface="Times New Roman" pitchFamily="18" charset="0"/>
+              </a:rPr>
+              <a:t>Шаги </a:t>
+            </a:r>
             <a:r>
               <a:rPr lang="ru-RU" sz="3200" dirty="0" smtClean="0">
                 <a:effectLst/>
                 <a:latin typeface="Times New Roman" pitchFamily="18" charset="0"/>
                 <a:cs typeface="Times New Roman" pitchFamily="18" charset="0"/>
               </a:rPr>
-              <a:t>Мера сходства</a:t>
+              <a:t>алгоритма обучения</a:t>
             </a:r>
             <a:endParaRPr lang="ru-RU" sz="3200" dirty="0">
               <a:effectLst/>
@@ -5688,11 +6233,103 @@
           </a:p>
         </p:txBody>
       </p:sp>
+      <p:sp>
+        <p:nvSpPr>
+          <p:cNvPr id="5" name="Содержимое 4"/>
+          <p:cNvSpPr>
+            <a:spLocks noGrp="1"/>
+          </p:cNvSpPr>
+          <p:nvPr>
+            <p:ph idx="1"/>
+          </p:nvPr>
+        </p:nvSpPr>
+        <p:spPr/>
+        <p:txBody>
+          <a:bodyPr/>
+          <a:lstStyle/>
+          <a:p>
+            <a:endParaRPr lang="ru-RU" dirty="0" smtClean="0"/>
+          </a:p>
+          <a:p>
+            <a:pPr>
+              <a:buNone/>
+            </a:pPr>
+            <a:endParaRPr lang="ru-RU" dirty="0" smtClean="0"/>
+          </a:p>
+          <a:p>
+            <a:pPr marL="1258888" indent="-269875">
+              <a:lnSpc>
+                <a:spcPct val="150000"/>
+              </a:lnSpc>
+            </a:pPr>
+            <a:r>
+              <a:rPr lang="ru-RU" sz="3200" dirty="0" smtClean="0">
+                <a:latin typeface="Times New Roman" pitchFamily="18" charset="0"/>
+                <a:cs typeface="Times New Roman" pitchFamily="18" charset="0"/>
+              </a:rPr>
+              <a:t>- Выбор вектора входных данных</a:t>
+            </a:r>
+          </a:p>
+          <a:p>
+            <a:pPr marL="1258888" indent="-269875">
+              <a:lnSpc>
+                <a:spcPct val="150000"/>
+              </a:lnSpc>
+            </a:pPr>
+            <a:r>
+              <a:rPr lang="ru-RU" sz="3200" dirty="0" smtClean="0">
+                <a:latin typeface="Times New Roman" pitchFamily="18" charset="0"/>
+                <a:cs typeface="Times New Roman" pitchFamily="18" charset="0"/>
+              </a:rPr>
+              <a:t>- Поиск  </a:t>
+            </a:r>
+            <a:r>
+              <a:rPr lang="en-US" sz="3200" dirty="0" smtClean="0">
+                <a:latin typeface="Times New Roman" pitchFamily="18" charset="0"/>
+                <a:cs typeface="Times New Roman" pitchFamily="18" charset="0"/>
+              </a:rPr>
+              <a:t>BMU</a:t>
+            </a:r>
+          </a:p>
+          <a:p>
+            <a:pPr marL="1258888" indent="-269875">
+              <a:lnSpc>
+                <a:spcPct val="150000"/>
+              </a:lnSpc>
+            </a:pPr>
+            <a:r>
+              <a:rPr lang="en-US" sz="3200" dirty="0" smtClean="0">
+                <a:latin typeface="Times New Roman" pitchFamily="18" charset="0"/>
+                <a:cs typeface="Times New Roman" pitchFamily="18" charset="0"/>
+              </a:rPr>
+              <a:t>- </a:t>
+            </a:r>
+            <a:r>
+              <a:rPr lang="ru-RU" sz="3200" dirty="0" smtClean="0">
+                <a:latin typeface="Times New Roman" pitchFamily="18" charset="0"/>
+                <a:cs typeface="Times New Roman" pitchFamily="18" charset="0"/>
+              </a:rPr>
+              <a:t>Корректировка весов соседей</a:t>
+            </a:r>
+            <a:endParaRPr lang="ru-RU" sz="3200" dirty="0">
+              <a:latin typeface="Times New Roman" pitchFamily="18" charset="0"/>
+              <a:cs typeface="Times New Roman" pitchFamily="18" charset="0"/>
+            </a:endParaRPr>
+          </a:p>
+        </p:txBody>
+      </p:sp>
     </p:spTree>
   </p:cSld>
   <p:clrMapOvr>
     <a:masterClrMapping/>
   </p:clrMapOvr>
+  <p:timing>
+    <p:tnLst>
+      <p:par>
+        <p:cTn id="1" dur="indefinite" restart="never" nodeType="tmRoot"/>
+      </p:par>
+    </p:tnLst>
+  </p:timing>
 </p:sld>
 </file>
 
@@ -5713,9 +6350,67 @@
           <a:chExt cx="0" cy="0"/>
         </a:xfrm>
       </p:grpSpPr>
+      <p:sp>
+        <p:nvSpPr>
+          <p:cNvPr id="3" name="Заголовок 2"/>
+          <p:cNvSpPr>
+            <a:spLocks noGrp="1"/>
+          </p:cNvSpPr>
+          <p:nvPr>
+            <p:ph type="title"/>
+          </p:nvPr>
+        </p:nvSpPr>
+        <p:spPr/>
+        <p:txBody>
+          <a:bodyPr>
+            <a:normAutofit/>
+          </a:bodyPr>
+          <a:lstStyle/>
+          <a:p>
+            <a:pPr algn="ctr"/>
+            <a:r>
+              <a:rPr lang="ru-RU" sz="3200" dirty="0" smtClean="0">
+                <a:effectLst/>
+                <a:latin typeface="Times New Roman" pitchFamily="18" charset="0"/>
+                <a:cs typeface="Times New Roman" pitchFamily="18" charset="0"/>
+              </a:rPr>
+              <a:t>Интерфейс приложения</a:t>
+            </a:r>
+            <a:endParaRPr lang="ru-RU" sz="3200" dirty="0">
+              <a:effectLst/>
+              <a:latin typeface="Times New Roman" pitchFamily="18" charset="0"/>
+              <a:cs typeface="Times New Roman" pitchFamily="18" charset="0"/>
+            </a:endParaRPr>
+          </a:p>
+        </p:txBody>
+      </p:sp>
+      <p:sp>
+        <p:nvSpPr>
+          <p:cNvPr id="6" name="Номер слайда 5"/>
+          <p:cNvSpPr>
+            <a:spLocks noGrp="1"/>
+          </p:cNvSpPr>
+          <p:nvPr>
+            <p:ph type="sldNum" sz="quarter" idx="12"/>
+          </p:nvPr>
+        </p:nvSpPr>
+        <p:spPr/>
+        <p:txBody>
+          <a:bodyPr/>
+          <a:lstStyle/>
+          <a:p>
+            <a:fld id="{725C68B6-61C2-468F-89AB-4B9F7531AA68}" type="slidenum">
+              <a:rPr lang="ru-RU" smtClean="0"/>
+              <a:pPr/>
+              <a:t>6</a:t>
+            </a:fld>
+            <a:endParaRPr lang="ru-RU"/>
+          </a:p>
+        </p:txBody>
+      </p:sp>
       <p:pic>
         <p:nvPicPr>
-          <p:cNvPr id="4" name="Содержимое 3" descr="scheme21_p.jpg"/>
+          <p:cNvPr id="7" name="Содержимое 6" descr="interface.jpg"/>
           <p:cNvPicPr>
             <a:picLocks noGrp="1" noChangeAspect="1"/>
           </p:cNvPicPr>
@@ -5731,79 +6426,23 @@
         </p:blipFill>
         <p:spPr>
           <a:xfrm>
-            <a:off x="3293479" y="1481137"/>
-            <a:ext cx="2934705" cy="5194427"/>
+            <a:off x="755576" y="1340768"/>
+            <a:ext cx="7967985" cy="4662444"/>
           </a:xfrm>
-          <a:ln>
-            <a:solidFill>
-              <a:schemeClr val="tx1"/>
-            </a:solidFill>
-          </a:ln>
         </p:spPr>
       </p:pic>
-      <p:sp>
-        <p:nvSpPr>
-          <p:cNvPr id="3" name="Заголовок 2"/>
-          <p:cNvSpPr>
-            <a:spLocks noGrp="1"/>
-          </p:cNvSpPr>
-          <p:nvPr>
-            <p:ph type="title"/>
-          </p:nvPr>
-        </p:nvSpPr>
-        <p:spPr/>
-        <p:txBody>
-          <a:bodyPr>
-            <a:normAutofit/>
-          </a:bodyPr>
-          <a:lstStyle/>
-          <a:p>
-            <a:pPr algn="ctr"/>
-            <a:r>
-              <a:rPr lang="ru-RU" sz="3200" dirty="0" smtClean="0">
-                <a:effectLst/>
-                <a:latin typeface="Times New Roman" pitchFamily="18" charset="0"/>
-                <a:cs typeface="Times New Roman" pitchFamily="18" charset="0"/>
-              </a:rPr>
-              <a:t>Алгоритм обучения</a:t>
-            </a:r>
-            <a:endParaRPr lang="ru-RU" sz="3200" dirty="0">
-              <a:effectLst/>
-              <a:latin typeface="Times New Roman" pitchFamily="18" charset="0"/>
-              <a:cs typeface="Times New Roman" pitchFamily="18" charset="0"/>
-            </a:endParaRPr>
-          </a:p>
-        </p:txBody>
-      </p:sp>
-      <p:sp>
-        <p:nvSpPr>
-          <p:cNvPr id="6" name="Номер слайда 5"/>
-          <p:cNvSpPr>
-            <a:spLocks noGrp="1"/>
-          </p:cNvSpPr>
-          <p:nvPr>
-            <p:ph type="sldNum" sz="quarter" idx="12"/>
-          </p:nvPr>
-        </p:nvSpPr>
-        <p:spPr/>
-        <p:txBody>
-          <a:bodyPr/>
-          <a:lstStyle/>
-          <a:p>
-            <a:fld id="{725C68B6-61C2-468F-89AB-4B9F7531AA68}" type="slidenum">
-              <a:rPr lang="ru-RU" smtClean="0"/>
-              <a:pPr/>
-              <a:t>6</a:t>
-            </a:fld>
-            <a:endParaRPr lang="ru-RU"/>
-          </a:p>
-        </p:txBody>
-      </p:sp>
     </p:spTree>
   </p:cSld>
   <p:clrMapOvr>
     <a:masterClrMapping/>
   </p:clrMapOvr>
+  <p:timing>
+    <p:tnLst>
+      <p:par>
+        <p:cTn id="1" dur="indefinite" restart="never" nodeType="tmRoot"/>
+      </p:par>
+    </p:tnLst>
+  </p:timing>
 </p:sld>
 </file>
 
@@ -5824,9 +6463,83 @@
           <a:chExt cx="0" cy="0"/>
         </a:xfrm>
       </p:grpSpPr>
+      <p:sp>
+        <p:nvSpPr>
+          <p:cNvPr id="3" name="Заголовок 2"/>
+          <p:cNvSpPr>
+            <a:spLocks noGrp="1"/>
+          </p:cNvSpPr>
+          <p:nvPr>
+            <p:ph type="title"/>
+          </p:nvPr>
+        </p:nvSpPr>
+        <p:spPr/>
+        <p:txBody>
+          <a:bodyPr>
+            <a:normAutofit/>
+          </a:bodyPr>
+          <a:lstStyle/>
+          <a:p>
+            <a:pPr algn="ctr"/>
+            <a:r>
+              <a:rPr lang="ru-RU" sz="3200" dirty="0" smtClean="0">
+                <a:effectLst/>
+                <a:latin typeface="Times New Roman" pitchFamily="18" charset="0"/>
+                <a:cs typeface="Times New Roman" pitchFamily="18" charset="0"/>
+              </a:rPr>
+              <a:t>Изображение </a:t>
+            </a:r>
+            <a:r>
+              <a:rPr lang="ru-RU" sz="3200" smtClean="0">
+                <a:effectLst/>
+                <a:latin typeface="Times New Roman" pitchFamily="18" charset="0"/>
+                <a:cs typeface="Times New Roman" pitchFamily="18" charset="0"/>
+              </a:rPr>
+              <a:t>с 3% </a:t>
+            </a:r>
+            <a:r>
+              <a:rPr lang="ru-RU" sz="3200" dirty="0" smtClean="0">
+                <a:effectLst/>
+                <a:latin typeface="Times New Roman" pitchFamily="18" charset="0"/>
+                <a:cs typeface="Times New Roman" pitchFamily="18" charset="0"/>
+              </a:rPr>
+              <a:t>поврежденных пикселей</a:t>
+            </a:r>
+            <a:endParaRPr lang="ru-RU" sz="3200" dirty="0">
+              <a:effectLst/>
+              <a:latin typeface="Times New Roman" pitchFamily="18" charset="0"/>
+              <a:cs typeface="Times New Roman" pitchFamily="18" charset="0"/>
+            </a:endParaRPr>
+          </a:p>
+        </p:txBody>
+      </p:sp>
+      <p:sp>
+        <p:nvSpPr>
+          <p:cNvPr id="6" name="Номер слайда 5"/>
+          <p:cNvSpPr>
+            <a:spLocks noGrp="1"/>
+          </p:cNvSpPr>
+          <p:nvPr>
+            <p:ph type="sldNum" sz="quarter" idx="12"/>
+          </p:nvPr>
+        </p:nvSpPr>
+        <p:spPr/>
+        <p:txBody>
+          <a:bodyPr/>
+          <a:lstStyle/>
+          <a:p>
+            <a:fld id="{725C68B6-61C2-468F-89AB-4B9F7531AA68}" type="slidenum">
+              <a:rPr lang="ru-RU" smtClean="0"/>
+              <a:pPr/>
+              <a:t>7</a:t>
+            </a:fld>
+            <a:endParaRPr lang="ru-RU"/>
+          </a:p>
+        </p:txBody>
+      </p:sp>
       <p:pic>
         <p:nvPicPr>
-          <p:cNvPr id="4" name="Содержимое 3" descr="main_win.jpg"/>
+          <p:cNvPr id="7" name="Содержимое 6" descr="noise2.jpg"/>
           <p:cNvPicPr>
             <a:picLocks noGrp="1" noChangeAspect="1"/>
           </p:cNvPicPr>
@@ -5842,74 +6555,23 @@
         </p:blipFill>
         <p:spPr>
           <a:xfrm>
-            <a:off x="852487" y="1567656"/>
-            <a:ext cx="7439025" cy="4352925"/>
+            <a:off x="517387" y="1481138"/>
+            <a:ext cx="8109226" cy="4525962"/>
           </a:xfrm>
         </p:spPr>
       </p:pic>
-      <p:sp>
-        <p:nvSpPr>
-          <p:cNvPr id="3" name="Заголовок 2"/>
-          <p:cNvSpPr>
-            <a:spLocks noGrp="1"/>
-          </p:cNvSpPr>
-          <p:nvPr>
-            <p:ph type="title"/>
-          </p:nvPr>
-        </p:nvSpPr>
-        <p:spPr/>
-        <p:txBody>
-          <a:bodyPr>
-            <a:normAutofit/>
-          </a:bodyPr>
-          <a:lstStyle/>
-          <a:p>
-            <a:pPr algn="ctr"/>
-            <a:r>
-              <a:rPr lang="ru-RU" sz="3200" dirty="0" smtClean="0">
-                <a:effectLst/>
-                <a:latin typeface="Times New Roman" pitchFamily="18" charset="0"/>
-                <a:cs typeface="Times New Roman" pitchFamily="18" charset="0"/>
-              </a:rPr>
-              <a:t>Интерфейс приложения</a:t>
-            </a:r>
-            <a:endParaRPr lang="ru-RU" sz="3200" dirty="0">
-              <a:effectLst/>
-              <a:latin typeface="Times New Roman" pitchFamily="18" charset="0"/>
-              <a:cs typeface="Times New Roman" pitchFamily="18" charset="0"/>
-            </a:endParaRPr>
-          </a:p>
-        </p:txBody>
-      </p:sp>
-      <p:sp>
-        <p:nvSpPr>
-          <p:cNvPr id="6" name="Номер слайда 5"/>
-          <p:cNvSpPr>
-            <a:spLocks noGrp="1"/>
-          </p:cNvSpPr>
-          <p:nvPr>
-            <p:ph type="sldNum" sz="quarter" idx="12"/>
-          </p:nvPr>
-        </p:nvSpPr>
-        <p:spPr/>
-        <p:txBody>
-          <a:bodyPr/>
-          <a:lstStyle/>
-          <a:p>
-            <a:fld id="{725C68B6-61C2-468F-89AB-4B9F7531AA68}" type="slidenum">
-              <a:rPr lang="ru-RU" smtClean="0"/>
-              <a:pPr/>
-              <a:t>7</a:t>
-            </a:fld>
-            <a:endParaRPr lang="ru-RU"/>
-          </a:p>
-        </p:txBody>
-      </p:sp>
     </p:spTree>
   </p:cSld>
   <p:clrMapOvr>
     <a:masterClrMapping/>
   </p:clrMapOvr>
+  <p:timing>
+    <p:tnLst>
+      <p:par>
+        <p:cTn id="1" dur="indefinite" restart="never" nodeType="tmRoot"/>
+      </p:par>
+    </p:tnLst>
+  </p:timing>
 </p:sld>
 </file>
 
@@ -5932,7 +6594,7 @@
       </p:grpSpPr>
       <p:pic>
         <p:nvPicPr>
-          <p:cNvPr id="4" name="Содержимое 3" descr="8.jpg"/>
+          <p:cNvPr id="8" name="Содержимое 7" descr="presentation1.jpg"/>
           <p:cNvPicPr>
             <a:picLocks noGrp="1" noChangeAspect="1"/>
           </p:cNvPicPr>
@@ -5948,14 +6610,38 @@
         </p:blipFill>
         <p:spPr>
           <a:xfrm>
-            <a:off x="457200" y="2129784"/>
-            <a:ext cx="8229600" cy="3228670"/>
+            <a:off x="517387" y="1481138"/>
+            <a:ext cx="8109226" cy="4525962"/>
           </a:xfrm>
         </p:spPr>
       </p:pic>
       <p:sp>
         <p:nvSpPr>
-          <p:cNvPr id="3" name="Заголовок 2"/>
+          <p:cNvPr id="3" name="Номер слайда 2"/>
+          <p:cNvSpPr>
+            <a:spLocks noGrp="1"/>
+          </p:cNvSpPr>
+          <p:nvPr>
+            <p:ph type="sldNum" sz="quarter" idx="12"/>
+          </p:nvPr>
+        </p:nvSpPr>
+        <p:spPr/>
+        <p:txBody>
+          <a:bodyPr/>
+          <a:lstStyle/>
+          <a:p>
+            <a:fld id="{725C68B6-61C2-468F-89AB-4B9F7531AA68}" type="slidenum">
+              <a:rPr lang="ru-RU" smtClean="0"/>
+              <a:pPr/>
+              <a:t>8</a:t>
+            </a:fld>
+            <a:endParaRPr lang="ru-RU"/>
+          </a:p>
+        </p:txBody>
+      </p:sp>
+      <p:sp>
+        <p:nvSpPr>
+          <p:cNvPr id="4" name="Заголовок 3"/>
           <p:cNvSpPr>
             <a:spLocks noGrp="1"/>
           </p:cNvSpPr>
@@ -5977,7 +6663,7 @@
                 <a:latin typeface="Times New Roman" pitchFamily="18" charset="0"/>
                 <a:cs typeface="Times New Roman" pitchFamily="18" charset="0"/>
               </a:rPr>
-              <a:t>Пример обученной карты</a:t>
+              <a:t>Восстановленное изображение</a:t>
             </a:r>
             <a:endParaRPr lang="ru-RU" sz="3200" dirty="0">
               <a:effectLst/>
@@ -5987,35 +6673,18 @@
           </a:p>
         </p:txBody>
       </p:sp>
-      <p:sp>
-        <p:nvSpPr>
-          <p:cNvPr id="6" name="Номер слайда 5"/>
-          <p:cNvSpPr>
-            <a:spLocks noGrp="1"/>
-          </p:cNvSpPr>
-          <p:nvPr>
-            <p:ph type="sldNum" sz="quarter" idx="12"/>
-          </p:nvPr>
-        </p:nvSpPr>
-        <p:spPr/>
-        <p:txBody>
-          <a:bodyPr/>
-          <a:lstStyle/>
-          <a:p>
-            <a:fld id="{725C68B6-61C2-468F-89AB-4B9F7531AA68}" type="slidenum">
-              <a:rPr lang="ru-RU" smtClean="0"/>
-              <a:pPr/>
-              <a:t>8</a:t>
-            </a:fld>
-            <a:endParaRPr lang="ru-RU"/>
-          </a:p>
-        </p:txBody>
-      </p:sp>
     </p:spTree>
   </p:cSld>
   <p:clrMapOvr>
     <a:masterClrMapping/>
   </p:clrMapOvr>
+  <p:timing>
+    <p:tnLst>
+      <p:par>
+        <p:cTn id="1" dur="indefinite" restart="never" nodeType="tmRoot"/>
+      </p:par>
+    </p:tnLst>
+  </p:timing>
 </p:sld>
 </file>
 
@@ -6036,14 +6705,61 @@
           <a:chExt cx="0" cy="0"/>
         </a:xfrm>
       </p:grpSpPr>
-      <p:sp>
-        <p:nvSpPr>
-          <p:cNvPr id="2" name="Содержимое 1"/>
-          <p:cNvSpPr>
-            <a:spLocks noGrp="1"/>
-          </p:cNvSpPr>
+      <p:pic>
+        <p:nvPicPr>
+          <p:cNvPr id="5" name="Содержимое 4" descr="source2.jpg"/>
+          <p:cNvPicPr>
+            <a:picLocks noGrp="1" noChangeAspect="1"/>
+          </p:cNvPicPr>
           <p:nvPr>
             <p:ph idx="1"/>
+          </p:nvPr>
+        </p:nvPicPr>
+        <p:blipFill>
+          <a:blip r:embed="rId2" cstate="print"/>
+          <a:stretch>
+            <a:fillRect/>
+          </a:stretch>
+        </p:blipFill>
+        <p:spPr>
+          <a:xfrm>
+            <a:off x="517387" y="1481138"/>
+            <a:ext cx="8109226" cy="4525962"/>
+          </a:xfrm>
+        </p:spPr>
+      </p:pic>
+      <p:sp>
+        <p:nvSpPr>
+          <p:cNvPr id="3" name="Номер слайда 2"/>
+          <p:cNvSpPr>
+            <a:spLocks noGrp="1"/>
+          </p:cNvSpPr>
+          <p:nvPr>
+            <p:ph type="sldNum" sz="quarter" idx="12"/>
+          </p:nvPr>
+        </p:nvSpPr>
+        <p:spPr/>
+        <p:txBody>
+          <a:bodyPr/>
+          <a:lstStyle/>
+          <a:p>
+            <a:fld id="{725C68B6-61C2-468F-89AB-4B9F7531AA68}" type="slidenum">
+              <a:rPr lang="ru-RU" smtClean="0"/>
+              <a:pPr/>
+              <a:t>9</a:t>
+            </a:fld>
+            <a:endParaRPr lang="ru-RU"/>
+          </a:p>
+        </p:txBody>
+      </p:sp>
+      <p:sp>
+        <p:nvSpPr>
+          <p:cNvPr id="4" name="Заголовок 3"/>
+          <p:cNvSpPr>
+            <a:spLocks noGrp="1"/>
+          </p:cNvSpPr>
+          <p:nvPr>
+            <p:ph type="title"/>
           </p:nvPr>
         </p:nvSpPr>
         <p:spPr/>
@@ -6053,62 +6769,20 @@
           </a:bodyPr>
           <a:lstStyle/>
           <a:p>
-            <a:pPr algn="ctr">
-              <a:buNone/>
-            </a:pPr>
-            <a:endParaRPr lang="ru-RU" sz="4400" dirty="0" smtClean="0">
+            <a:pPr algn="ctr"/>
+            <a:r>
+              <a:rPr lang="ru-RU" sz="3200" dirty="0" smtClean="0">
+                <a:effectLst/>
+                <a:latin typeface="Times New Roman" pitchFamily="18" charset="0"/>
+                <a:cs typeface="Times New Roman" pitchFamily="18" charset="0"/>
+              </a:rPr>
+              <a:t>Оригинальное изображение</a:t>
+            </a:r>
+            <a:endParaRPr lang="ru-RU" sz="3200" dirty="0">
+              <a:effectLst/>
               <a:latin typeface="Times New Roman" pitchFamily="18" charset="0"/>
               <a:cs typeface="Times New Roman" pitchFamily="18" charset="0"/>
             </a:endParaRPr>
-          </a:p>
-          <a:p>
-            <a:pPr algn="ctr">
-              <a:buNone/>
-            </a:pPr>
-            <a:endParaRPr lang="ru-RU" sz="4400" dirty="0" smtClean="0">
-              <a:latin typeface="Times New Roman" pitchFamily="18" charset="0"/>
-              <a:cs typeface="Times New Roman" pitchFamily="18" charset="0"/>
-            </a:endParaRPr>
-          </a:p>
-          <a:p>
-            <a:pPr algn="ctr">
-              <a:buNone/>
-            </a:pPr>
-            <a:r>
-              <a:rPr lang="ru-RU" sz="4400" dirty="0" smtClean="0">
-                <a:latin typeface="Times New Roman" pitchFamily="18" charset="0"/>
-                <a:cs typeface="Times New Roman" pitchFamily="18" charset="0"/>
-              </a:rPr>
-              <a:t>Спасибо за внимание</a:t>
-            </a:r>
-            <a:endParaRPr lang="ru-RU" sz="4400" dirty="0">
-              <a:latin typeface="Times New Roman" pitchFamily="18" charset="0"/>
-              <a:cs typeface="Times New Roman" pitchFamily="18" charset="0"/>
-            </a:endParaRPr>
-          </a:p>
-        </p:txBody>
-      </p:sp>
-      <p:sp>
-        <p:nvSpPr>
-          <p:cNvPr id="3" name="Номер слайда 2"/>
-          <p:cNvSpPr>
-            <a:spLocks noGrp="1"/>
-          </p:cNvSpPr>
-          <p:nvPr>
-            <p:ph type="sldNum" sz="quarter" idx="12"/>
-          </p:nvPr>
-        </p:nvSpPr>
-        <p:spPr/>
-        <p:txBody>
-          <a:bodyPr/>
-          <a:lstStyle/>
-          <a:p>
-            <a:fld id="{725C68B6-61C2-468F-89AB-4B9F7531AA68}" type="slidenum">
-              <a:rPr lang="ru-RU" smtClean="0"/>
-              <a:pPr/>
-              <a:t>9</a:t>
-            </a:fld>
-            <a:endParaRPr lang="ru-RU"/>
           </a:p>
         </p:txBody>
       </p:sp>
